--- a/icon.pptx
+++ b/icon.pptx
@@ -111,6 +111,11 @@
     <p:ext uri="{EFAFB233-063F-42B5-8137-9DF3F51BA10A}">
       <p15:sldGuideLst xmlns:p15="http://schemas.microsoft.com/office/powerpoint/2012/main">
         <p15:guide id="1" pos="416" userDrawn="1">
+          <p15:clr>
+            <a:srgbClr val="A4A3A4"/>
+          </p15:clr>
+        </p15:guide>
+        <p15:guide id="2" orient="horz" pos="3401">
           <p15:clr>
             <a:srgbClr val="A4A3A4"/>
           </p15:clr>
@@ -3532,10 +3537,15 @@
               <a:pPr algn="ctr"/>
               <a:r>
                 <a:rPr lang="en-US" altLang="zh-CN" sz="62500" dirty="0">
+                  <a:ln w="38100">
+                    <a:solidFill>
+                      <a:schemeClr val="bg1">
+                        <a:lumMod val="85000"/>
+                      </a:schemeClr>
+                    </a:solidFill>
+                  </a:ln>
                   <a:solidFill>
-                    <a:schemeClr val="bg1">
-                      <a:lumMod val="85000"/>
-                    </a:schemeClr>
+                    <a:schemeClr val="bg1"/>
                   </a:solidFill>
                   <a:latin typeface="得意黑" pitchFamily="50" charset="-122"/>
                   <a:ea typeface="得意黑" pitchFamily="50" charset="-122"/>
@@ -3543,10 +3553,15 @@
                 <a:t>P</a:t>
               </a:r>
               <a:endParaRPr lang="en-GB" sz="62500" dirty="0">
+                <a:ln w="38100">
+                  <a:solidFill>
+                    <a:schemeClr val="bg1">
+                      <a:lumMod val="85000"/>
+                    </a:schemeClr>
+                  </a:solidFill>
+                </a:ln>
                 <a:solidFill>
-                  <a:schemeClr val="bg1">
-                    <a:lumMod val="85000"/>
-                  </a:schemeClr>
+                  <a:schemeClr val="bg1"/>
                 </a:solidFill>
                 <a:latin typeface="得意黑" pitchFamily="50" charset="-122"/>
                 <a:ea typeface="得意黑" pitchFamily="50" charset="-122"/>
@@ -3585,7 +3600,7 @@
               <a:pPr algn="ctr"/>
               <a:r>
                 <a:rPr lang="en-US" altLang="zh-CN" sz="62500" dirty="0">
-                  <a:ln w="28575">
+                  <a:ln w="38100">
                     <a:solidFill>
                       <a:schemeClr val="bg1">
                         <a:lumMod val="85000"/>
@@ -3593,7 +3608,9 @@
                     </a:solidFill>
                   </a:ln>
                   <a:solidFill>
-                    <a:schemeClr val="bg1"/>
+                    <a:schemeClr val="bg1">
+                      <a:lumMod val="85000"/>
+                    </a:schemeClr>
                   </a:solidFill>
                   <a:latin typeface="得意黑" pitchFamily="50" charset="-122"/>
                   <a:ea typeface="得意黑" pitchFamily="50" charset="-122"/>
@@ -3601,7 +3618,7 @@
                 <a:t>P</a:t>
               </a:r>
               <a:endParaRPr lang="en-GB" sz="62500" dirty="0">
-                <a:ln w="28575">
+                <a:ln w="38100">
                   <a:solidFill>
                     <a:schemeClr val="bg1">
                       <a:lumMod val="85000"/>
@@ -3609,7 +3626,9 @@
                   </a:solidFill>
                 </a:ln>
                 <a:solidFill>
-                  <a:schemeClr val="bg1"/>
+                  <a:schemeClr val="bg1">
+                    <a:lumMod val="85000"/>
+                  </a:schemeClr>
                 </a:solidFill>
                 <a:latin typeface="得意黑" pitchFamily="50" charset="-122"/>
                 <a:ea typeface="得意黑" pitchFamily="50" charset="-122"/>
@@ -3620,10 +3639,10 @@
       </p:grpSp>
       <p:pic>
         <p:nvPicPr>
-          <p:cNvPr id="16" name="图片 15">
+          <p:cNvPr id="12" name="图片 11">
             <a:extLst>
               <a:ext uri="{FF2B5EF4-FFF2-40B4-BE49-F238E27FC236}">
-                <a16:creationId xmlns:a16="http://schemas.microsoft.com/office/drawing/2014/main" id="{BF53D135-34FB-3093-F1E0-26133512CA48}"/>
+                <a16:creationId xmlns:a16="http://schemas.microsoft.com/office/drawing/2014/main" id="{7FF3565E-D0F3-E6A4-922B-2E98506A325E}"/>
               </a:ext>
             </a:extLst>
           </p:cNvPr>
@@ -3634,13 +3653,13 @@
         </p:nvPicPr>
         <p:blipFill>
           <a:blip r:embed="rId3"/>
-          <a:srcRect l="32680" t="19755" r="32680" b="37418"/>
+          <a:srcRect t="14054" b="15358"/>
           <a:stretch/>
         </p:blipFill>
         <p:spPr>
           <a:xfrm>
-            <a:off x="2038350" y="209550"/>
-            <a:ext cx="6723062" cy="10344150"/>
+            <a:off x="2322287" y="296984"/>
+            <a:ext cx="6155188" cy="10205794"/>
           </a:xfrm>
           <a:prstGeom prst="rect">
             <a:avLst/>
